--- a/0 발표용 파워포인트/0501 5차발표/0501 project05 - 파워포인트 - 기범.pptx
+++ b/0 발표용 파워포인트/0501 5차발표/0501 project05 - 파워포인트 - 기범.pptx
@@ -5,10 +5,12 @@
     <p:sldMasterId id="2147483648" r:id="rId1"/>
   </p:sldMasterIdLst>
   <p:notesMasterIdLst>
-    <p:notesMasterId r:id="rId3"/>
+    <p:notesMasterId r:id="rId5"/>
   </p:notesMasterIdLst>
   <p:sldIdLst>
     <p:sldId id="256" r:id="rId2"/>
+    <p:sldId id="257" r:id="rId3"/>
+    <p:sldId id="258" r:id="rId4"/>
   </p:sldIdLst>
   <p:sldSz cx="12192000" cy="6858000"/>
   <p:notesSz cx="6858000" cy="9144000"/>
@@ -209,7 +211,7 @@
             <a:fld id="{EFE7F2A0-C7D9-4DBD-AE3B-C1A712DCE501}" type="datetimeFigureOut">
               <a:rPr lang="ko-KR" altLang="en-US" smtClean="0"/>
               <a:pPr/>
-              <a:t>2020-03-28</a:t>
+              <a:t>2020-04-27</a:t>
             </a:fld>
             <a:endParaRPr lang="ko-KR" altLang="en-US"/>
           </a:p>
@@ -610,7 +612,7 @@
             <a:fld id="{272C3D53-FEDF-49EC-8F65-FFFC138B637E}" type="datetimeFigureOut">
               <a:rPr lang="ko-KR" altLang="en-US" smtClean="0"/>
               <a:pPr/>
-              <a:t>2020-03-28</a:t>
+              <a:t>2020-04-27</a:t>
             </a:fld>
             <a:endParaRPr lang="ko-KR" altLang="en-US"/>
           </a:p>
@@ -782,7 +784,7 @@
             <a:fld id="{272C3D53-FEDF-49EC-8F65-FFFC138B637E}" type="datetimeFigureOut">
               <a:rPr lang="ko-KR" altLang="en-US" smtClean="0"/>
               <a:pPr/>
-              <a:t>2020-03-28</a:t>
+              <a:t>2020-04-27</a:t>
             </a:fld>
             <a:endParaRPr lang="ko-KR" altLang="en-US"/>
           </a:p>
@@ -964,7 +966,7 @@
             <a:fld id="{272C3D53-FEDF-49EC-8F65-FFFC138B637E}" type="datetimeFigureOut">
               <a:rPr lang="ko-KR" altLang="en-US" smtClean="0"/>
               <a:pPr/>
-              <a:t>2020-03-28</a:t>
+              <a:t>2020-04-27</a:t>
             </a:fld>
             <a:endParaRPr lang="ko-KR" altLang="en-US"/>
           </a:p>
@@ -1017,6 +1019,323 @@
     <p:extLst>
       <p:ext uri="{BB962C8B-B14F-4D97-AF65-F5344CB8AC3E}">
         <p14:creationId xmlns:p14="http://schemas.microsoft.com/office/powerpoint/2010/main" val="877425461"/>
+      </p:ext>
+    </p:extLst>
+  </p:cSld>
+  <p:clrMapOvr>
+    <a:masterClrMapping/>
+  </p:clrMapOvr>
+</p:sldLayout>
+</file>
+
+<file path=ppt/slideLayouts/slideLayout12.xml><?xml version="1.0" encoding="utf-8"?>
+<p:sldLayout xmlns:a="http://schemas.openxmlformats.org/drawingml/2006/main" xmlns:r="http://schemas.openxmlformats.org/officeDocument/2006/relationships" xmlns:p="http://schemas.openxmlformats.org/presentationml/2006/main" userDrawn="1">
+  <p:cSld name="사용자 지정 레이아웃">
+    <p:bg>
+      <p:bgPr>
+        <a:solidFill>
+          <a:schemeClr val="bg1"/>
+        </a:solidFill>
+        <a:effectLst/>
+      </p:bgPr>
+    </p:bg>
+    <p:spTree>
+      <p:nvGrpSpPr>
+        <p:cNvPr id="1" name=""/>
+        <p:cNvGrpSpPr/>
+        <p:nvPr/>
+      </p:nvGrpSpPr>
+      <p:grpSpPr>
+        <a:xfrm>
+          <a:off x="0" y="0"/>
+          <a:ext cx="0" cy="0"/>
+          <a:chOff x="0" y="0"/>
+          <a:chExt cx="0" cy="0"/>
+        </a:xfrm>
+      </p:grpSpPr>
+      <p:pic>
+        <p:nvPicPr>
+          <p:cNvPr id="3074" name="Picture 2"/>
+          <p:cNvPicPr>
+            <a:picLocks noChangeAspect="1" noChangeArrowheads="1"/>
+          </p:cNvPicPr>
+          <p:nvPr userDrawn="1"/>
+        </p:nvPicPr>
+        <p:blipFill>
+          <a:blip r:embed="rId2" cstate="print">
+            <a:extLst>
+              <a:ext uri="{28A0092B-C50C-407E-A947-70E740481C1C}">
+                <a14:useLocalDpi xmlns:a14="http://schemas.microsoft.com/office/drawing/2010/main" val="0"/>
+              </a:ext>
+            </a:extLst>
+          </a:blip>
+          <a:stretch>
+            <a:fillRect/>
+          </a:stretch>
+        </p:blipFill>
+        <p:spPr bwMode="auto">
+          <a:xfrm>
+            <a:off x="0" y="0"/>
+            <a:ext cx="12192000" cy="6858000"/>
+          </a:xfrm>
+          <a:prstGeom prst="rect">
+            <a:avLst/>
+          </a:prstGeom>
+          <a:noFill/>
+          <a:extLst>
+            <a:ext uri="{909E8E84-426E-40DD-AFC4-6F175D3DCCD1}">
+              <a14:hiddenFill xmlns:a14="http://schemas.microsoft.com/office/drawing/2010/main">
+                <a:solidFill>
+                  <a:srgbClr val="FFFFFF"/>
+                </a:solidFill>
+              </a14:hiddenFill>
+            </a:ext>
+          </a:extLst>
+        </p:spPr>
+      </p:pic>
+      <p:sp>
+        <p:nvSpPr>
+          <p:cNvPr id="2" name="제목 1"/>
+          <p:cNvSpPr>
+            <a:spLocks noGrp="1"/>
+          </p:cNvSpPr>
+          <p:nvPr>
+            <p:ph type="title" hasCustomPrompt="1"/>
+          </p:nvPr>
+        </p:nvSpPr>
+        <p:spPr>
+          <a:xfrm>
+            <a:off x="962423" y="116632"/>
+            <a:ext cx="9646078" cy="796908"/>
+          </a:xfrm>
+        </p:spPr>
+        <p:txBody>
+          <a:bodyPr vert="horz" lIns="91440" tIns="45720" rIns="91440" bIns="45720" rtlCol="0" anchor="ctr">
+            <a:normAutofit/>
+          </a:bodyPr>
+          <a:lstStyle>
+            <a:lvl1pPr algn="l" defTabSz="914400" rtl="0" eaLnBrk="1" latinLnBrk="1" hangingPunct="1">
+              <a:spcBef>
+                <a:spcPct val="0"/>
+              </a:spcBef>
+              <a:buNone/>
+              <a:defRPr lang="ko-KR" altLang="en-US" sz="2500" b="1" kern="1200" baseline="0" dirty="0">
+                <a:solidFill>
+                  <a:schemeClr val="bg1"/>
+                </a:solidFill>
+                <a:effectLst/>
+                <a:latin typeface="+mj-lt"/>
+                <a:ea typeface="맑은 고딕" pitchFamily="50" charset="-127"/>
+                <a:cs typeface="+mj-cs"/>
+              </a:defRPr>
+            </a:lvl1pPr>
+          </a:lstStyle>
+          <a:p>
+            <a:r>
+              <a:rPr lang="ko-KR" altLang="en-US" dirty="0"/>
+              <a:t>제목 스타일 편집마스터 </a:t>
+            </a:r>
+          </a:p>
+        </p:txBody>
+      </p:sp>
+      <p:sp>
+        <p:nvSpPr>
+          <p:cNvPr id="3" name="날짜 개체 틀 2"/>
+          <p:cNvSpPr>
+            <a:spLocks noGrp="1"/>
+          </p:cNvSpPr>
+          <p:nvPr>
+            <p:ph type="dt" sz="half" idx="10"/>
+          </p:nvPr>
+        </p:nvSpPr>
+        <p:spPr/>
+        <p:txBody>
+          <a:bodyPr/>
+          <a:lstStyle>
+            <a:lvl1pPr>
+              <a:defRPr>
+                <a:latin typeface="+mj-lt"/>
+              </a:defRPr>
+            </a:lvl1pPr>
+          </a:lstStyle>
+          <a:p>
+            <a:fld id="{ED3D6733-6F27-4404-AB51-585418F146E5}" type="datetimeFigureOut">
+              <a:rPr lang="ko-KR" altLang="en-US" smtClean="0"/>
+              <a:pPr/>
+              <a:t>2020-04-27</a:t>
+            </a:fld>
+            <a:endParaRPr lang="ko-KR" altLang="en-US"/>
+          </a:p>
+        </p:txBody>
+      </p:sp>
+      <p:sp>
+        <p:nvSpPr>
+          <p:cNvPr id="4" name="바닥글 개체 틀 3"/>
+          <p:cNvSpPr>
+            <a:spLocks noGrp="1"/>
+          </p:cNvSpPr>
+          <p:nvPr>
+            <p:ph type="ftr" sz="quarter" idx="11"/>
+          </p:nvPr>
+        </p:nvSpPr>
+        <p:spPr/>
+        <p:txBody>
+          <a:bodyPr/>
+          <a:lstStyle>
+            <a:lvl1pPr>
+              <a:defRPr>
+                <a:latin typeface="+mj-lt"/>
+              </a:defRPr>
+            </a:lvl1pPr>
+          </a:lstStyle>
+          <a:p>
+            <a:endParaRPr lang="ko-KR" altLang="en-US"/>
+          </a:p>
+        </p:txBody>
+      </p:sp>
+      <p:sp>
+        <p:nvSpPr>
+          <p:cNvPr id="5" name="슬라이드 번호 개체 틀 4"/>
+          <p:cNvSpPr>
+            <a:spLocks noGrp="1"/>
+          </p:cNvSpPr>
+          <p:nvPr>
+            <p:ph type="sldNum" sz="quarter" idx="12"/>
+          </p:nvPr>
+        </p:nvSpPr>
+        <p:spPr/>
+        <p:txBody>
+          <a:bodyPr/>
+          <a:lstStyle>
+            <a:lvl1pPr>
+              <a:defRPr>
+                <a:latin typeface="+mj-lt"/>
+              </a:defRPr>
+            </a:lvl1pPr>
+          </a:lstStyle>
+          <a:p>
+            <a:fld id="{EE6BC638-39B7-4287-91A7-2A3DDA573295}" type="slidenum">
+              <a:rPr lang="ko-KR" altLang="en-US" smtClean="0"/>
+              <a:pPr/>
+              <a:t>‹#›</a:t>
+            </a:fld>
+            <a:endParaRPr lang="ko-KR" altLang="en-US"/>
+          </a:p>
+        </p:txBody>
+      </p:sp>
+      <p:sp>
+        <p:nvSpPr>
+          <p:cNvPr id="6" name="내용 개체 틀 2"/>
+          <p:cNvSpPr>
+            <a:spLocks noGrp="1"/>
+          </p:cNvSpPr>
+          <p:nvPr>
+            <p:ph idx="1"/>
+          </p:nvPr>
+        </p:nvSpPr>
+        <p:spPr>
+          <a:xfrm>
+            <a:off x="431371" y="1176869"/>
+            <a:ext cx="11346142" cy="4861277"/>
+          </a:xfrm>
+        </p:spPr>
+        <p:txBody>
+          <a:bodyPr>
+            <a:normAutofit/>
+          </a:bodyPr>
+          <a:lstStyle>
+            <a:lvl1pPr algn="l">
+              <a:buNone/>
+              <a:defRPr sz="1600" i="1" baseline="0">
+                <a:solidFill>
+                  <a:srgbClr val="3191A7"/>
+                </a:solidFill>
+                <a:latin typeface="+mj-lt"/>
+                <a:ea typeface="맑은 고딕" pitchFamily="50" charset="-127"/>
+              </a:defRPr>
+            </a:lvl1pPr>
+            <a:lvl2pPr algn="l">
+              <a:buNone/>
+              <a:defRPr sz="1600" i="1" baseline="0">
+                <a:solidFill>
+                  <a:srgbClr val="3191A7"/>
+                </a:solidFill>
+                <a:latin typeface="+mj-lt"/>
+                <a:ea typeface="맑은 고딕" pitchFamily="50" charset="-127"/>
+              </a:defRPr>
+            </a:lvl2pPr>
+            <a:lvl3pPr algn="l">
+              <a:buNone/>
+              <a:defRPr sz="1600" i="1" baseline="0">
+                <a:solidFill>
+                  <a:srgbClr val="3191A7"/>
+                </a:solidFill>
+                <a:latin typeface="+mj-lt"/>
+                <a:ea typeface="맑은 고딕" pitchFamily="50" charset="-127"/>
+              </a:defRPr>
+            </a:lvl3pPr>
+            <a:lvl4pPr algn="l">
+              <a:buNone/>
+              <a:defRPr sz="1600" i="1" baseline="0">
+                <a:solidFill>
+                  <a:srgbClr val="3191A7"/>
+                </a:solidFill>
+                <a:latin typeface="+mj-lt"/>
+                <a:ea typeface="맑은 고딕" pitchFamily="50" charset="-127"/>
+              </a:defRPr>
+            </a:lvl4pPr>
+            <a:lvl5pPr algn="l">
+              <a:buNone/>
+              <a:defRPr sz="1600" i="1" baseline="0">
+                <a:solidFill>
+                  <a:srgbClr val="3191A7"/>
+                </a:solidFill>
+                <a:latin typeface="+mj-lt"/>
+                <a:ea typeface="맑은 고딕" pitchFamily="50" charset="-127"/>
+              </a:defRPr>
+            </a:lvl5pPr>
+          </a:lstStyle>
+          <a:p>
+            <a:pPr lvl="0"/>
+            <a:r>
+              <a:rPr lang="ko-KR" altLang="en-US" dirty="0"/>
+              <a:t>마스터 텍스트 스타일을 편집합니다</a:t>
+            </a:r>
+          </a:p>
+          <a:p>
+            <a:pPr lvl="1"/>
+            <a:r>
+              <a:rPr lang="ko-KR" altLang="en-US" dirty="0"/>
+              <a:t>둘째 수준</a:t>
+            </a:r>
+          </a:p>
+          <a:p>
+            <a:pPr lvl="2"/>
+            <a:r>
+              <a:rPr lang="ko-KR" altLang="en-US" dirty="0"/>
+              <a:t>셋째 수준</a:t>
+            </a:r>
+          </a:p>
+          <a:p>
+            <a:pPr lvl="3"/>
+            <a:r>
+              <a:rPr lang="ko-KR" altLang="en-US" dirty="0"/>
+              <a:t>넷째 수준</a:t>
+            </a:r>
+          </a:p>
+          <a:p>
+            <a:pPr lvl="4"/>
+            <a:r>
+              <a:rPr lang="ko-KR" altLang="en-US" dirty="0"/>
+              <a:t>다섯째 수준</a:t>
+            </a:r>
+          </a:p>
+        </p:txBody>
+      </p:sp>
+    </p:spTree>
+    <p:extLst>
+      <p:ext uri="{BB962C8B-B14F-4D97-AF65-F5344CB8AC3E}">
+        <p14:creationId xmlns:p14="http://schemas.microsoft.com/office/powerpoint/2010/main" val="471429874"/>
       </p:ext>
     </p:extLst>
   </p:cSld>
@@ -1136,7 +1455,7 @@
             <a:fld id="{272C3D53-FEDF-49EC-8F65-FFFC138B637E}" type="datetimeFigureOut">
               <a:rPr lang="ko-KR" altLang="en-US" smtClean="0"/>
               <a:pPr/>
-              <a:t>2020-03-28</a:t>
+              <a:t>2020-04-27</a:t>
             </a:fld>
             <a:endParaRPr lang="ko-KR" altLang="en-US"/>
           </a:p>
@@ -1384,7 +1703,7 @@
             <a:fld id="{272C3D53-FEDF-49EC-8F65-FFFC138B637E}" type="datetimeFigureOut">
               <a:rPr lang="ko-KR" altLang="en-US" smtClean="0"/>
               <a:pPr/>
-              <a:t>2020-03-28</a:t>
+              <a:t>2020-04-27</a:t>
             </a:fld>
             <a:endParaRPr lang="ko-KR" altLang="en-US"/>
           </a:p>
@@ -1618,7 +1937,7 @@
             <a:fld id="{272C3D53-FEDF-49EC-8F65-FFFC138B637E}" type="datetimeFigureOut">
               <a:rPr lang="ko-KR" altLang="en-US" smtClean="0"/>
               <a:pPr/>
-              <a:t>2020-03-28</a:t>
+              <a:t>2020-04-27</a:t>
             </a:fld>
             <a:endParaRPr lang="ko-KR" altLang="en-US"/>
           </a:p>
@@ -1987,7 +2306,7 @@
             <a:fld id="{272C3D53-FEDF-49EC-8F65-FFFC138B637E}" type="datetimeFigureOut">
               <a:rPr lang="ko-KR" altLang="en-US" smtClean="0"/>
               <a:pPr/>
-              <a:t>2020-03-28</a:t>
+              <a:t>2020-04-27</a:t>
             </a:fld>
             <a:endParaRPr lang="ko-KR" altLang="en-US"/>
           </a:p>
@@ -2107,7 +2426,7 @@
             <a:fld id="{272C3D53-FEDF-49EC-8F65-FFFC138B637E}" type="datetimeFigureOut">
               <a:rPr lang="ko-KR" altLang="en-US" smtClean="0"/>
               <a:pPr/>
-              <a:t>2020-03-28</a:t>
+              <a:t>2020-04-27</a:t>
             </a:fld>
             <a:endParaRPr lang="ko-KR" altLang="en-US"/>
           </a:p>
@@ -2204,7 +2523,7 @@
             <a:fld id="{272C3D53-FEDF-49EC-8F65-FFFC138B637E}" type="datetimeFigureOut">
               <a:rPr lang="ko-KR" altLang="en-US" smtClean="0"/>
               <a:pPr/>
-              <a:t>2020-03-28</a:t>
+              <a:t>2020-04-27</a:t>
             </a:fld>
             <a:endParaRPr lang="ko-KR" altLang="en-US"/>
           </a:p>
@@ -2483,7 +2802,7 @@
             <a:fld id="{272C3D53-FEDF-49EC-8F65-FFFC138B637E}" type="datetimeFigureOut">
               <a:rPr lang="ko-KR" altLang="en-US" smtClean="0"/>
               <a:pPr/>
-              <a:t>2020-03-28</a:t>
+              <a:t>2020-04-27</a:t>
             </a:fld>
             <a:endParaRPr lang="ko-KR" altLang="en-US"/>
           </a:p>
@@ -2738,7 +3057,7 @@
             <a:fld id="{272C3D53-FEDF-49EC-8F65-FFFC138B637E}" type="datetimeFigureOut">
               <a:rPr lang="ko-KR" altLang="en-US" smtClean="0"/>
               <a:pPr/>
-              <a:t>2020-03-28</a:t>
+              <a:t>2020-04-27</a:t>
             </a:fld>
             <a:endParaRPr lang="ko-KR" altLang="en-US"/>
           </a:p>
@@ -2953,7 +3272,7 @@
             <a:fld id="{272C3D53-FEDF-49EC-8F65-FFFC138B637E}" type="datetimeFigureOut">
               <a:rPr lang="ko-KR" altLang="en-US" smtClean="0"/>
               <a:pPr/>
-              <a:t>2020-03-28</a:t>
+              <a:t>2020-04-27</a:t>
             </a:fld>
             <a:endParaRPr lang="ko-KR" altLang="en-US"/>
           </a:p>
@@ -3058,6 +3377,7 @@
     <p:sldLayoutId id="2147483657" r:id="rId9"/>
     <p:sldLayoutId id="2147483658" r:id="rId10"/>
     <p:sldLayoutId id="2147483659" r:id="rId11"/>
+    <p:sldLayoutId id="2147483660" r:id="rId12"/>
   </p:sldLayoutIdLst>
   <p:txStyles>
     <p:titleStyle>
@@ -3435,6 +3755,1172 @@
     <p:extLst>
       <p:ext uri="{BB962C8B-B14F-4D97-AF65-F5344CB8AC3E}">
         <p14:creationId xmlns:p14="http://schemas.microsoft.com/office/powerpoint/2010/main" val="465175567"/>
+      </p:ext>
+    </p:extLst>
+  </p:cSld>
+  <p:clrMapOvr>
+    <a:masterClrMapping/>
+  </p:clrMapOvr>
+</p:sld>
+</file>
+
+<file path=ppt/slides/slide2.xml><?xml version="1.0" encoding="utf-8"?>
+<p:sld xmlns:a="http://schemas.openxmlformats.org/drawingml/2006/main" xmlns:r="http://schemas.openxmlformats.org/officeDocument/2006/relationships" xmlns:p="http://schemas.openxmlformats.org/presentationml/2006/main">
+  <p:cSld>
+    <p:spTree>
+      <p:nvGrpSpPr>
+        <p:cNvPr id="1" name=""/>
+        <p:cNvGrpSpPr/>
+        <p:nvPr/>
+      </p:nvGrpSpPr>
+      <p:grpSpPr>
+        <a:xfrm>
+          <a:off x="0" y="0"/>
+          <a:ext cx="0" cy="0"/>
+          <a:chOff x="0" y="0"/>
+          <a:chExt cx="0" cy="0"/>
+        </a:xfrm>
+      </p:grpSpPr>
+      <p:sp>
+        <p:nvSpPr>
+          <p:cNvPr id="2" name="제목 1"/>
+          <p:cNvSpPr>
+            <a:spLocks noGrp="1"/>
+          </p:cNvSpPr>
+          <p:nvPr>
+            <p:ph type="title"/>
+          </p:nvPr>
+        </p:nvSpPr>
+        <p:spPr/>
+        <p:txBody>
+          <a:bodyPr>
+            <a:noAutofit/>
+          </a:bodyPr>
+          <a:lstStyle/>
+          <a:p>
+            <a:pPr lvl="0">
+              <a:lnSpc>
+                <a:spcPct val="100000"/>
+              </a:lnSpc>
+              <a:spcBef>
+                <a:spcPts val="0"/>
+              </a:spcBef>
+              <a:defRPr/>
+            </a:pPr>
+            <a:r>
+              <a:rPr lang="en-US" altLang="ko-KR" sz="4000" b="0"/>
+              <a:t>[</a:t>
+            </a:r>
+            <a:r>
+              <a:rPr lang="ko-KR" altLang="en-US" sz="4000" b="0"/>
+              <a:t>화면설계</a:t>
+            </a:r>
+            <a:r>
+              <a:rPr lang="en-US" altLang="ko-KR" sz="4000" b="0" smtClean="0"/>
+              <a:t>] </a:t>
+            </a:r>
+            <a:r>
+              <a:rPr lang="ko-KR" altLang="en-US" sz="4000" b="0" smtClean="0"/>
+              <a:t>관리자</a:t>
+            </a:r>
+            <a:r>
+              <a:rPr lang="en-US" altLang="ko-KR" sz="4000" b="0" smtClean="0"/>
+              <a:t>- </a:t>
+            </a:r>
+            <a:r>
+              <a:rPr lang="ko-KR" altLang="en-US" sz="4000" b="0" smtClean="0"/>
+              <a:t>웹 </a:t>
+            </a:r>
+            <a:r>
+              <a:rPr lang="en-US" altLang="ko-KR" sz="4000" b="0" smtClean="0"/>
+              <a:t>- </a:t>
+            </a:r>
+            <a:r>
+              <a:rPr lang="ko-KR" altLang="en-US" sz="4000" b="0" smtClean="0"/>
+              <a:t>회원정보관리</a:t>
+            </a:r>
+            <a:endParaRPr lang="ko-KR" altLang="en-US" sz="4000" b="0"/>
+          </a:p>
+        </p:txBody>
+      </p:sp>
+      <p:sp>
+        <p:nvSpPr>
+          <p:cNvPr id="70" name="Google Shape;168;g7c553259d1_0_81"/>
+          <p:cNvSpPr/>
+          <p:nvPr/>
+        </p:nvSpPr>
+        <p:spPr>
+          <a:xfrm>
+            <a:off x="1337677" y="1289960"/>
+            <a:ext cx="6526163" cy="5349900"/>
+          </a:xfrm>
+          <a:prstGeom prst="rect">
+            <a:avLst/>
+          </a:prstGeom>
+          <a:solidFill>
+            <a:schemeClr val="lt1"/>
+          </a:solidFill>
+          <a:ln w="12700" cap="flat" cmpd="sng">
+            <a:solidFill>
+              <a:schemeClr val="dk1"/>
+            </a:solidFill>
+            <a:prstDash val="solid"/>
+            <a:miter lim="800000"/>
+            <a:headEnd type="none" w="sm" len="sm"/>
+            <a:tailEnd type="none" w="sm" len="sm"/>
+          </a:ln>
+        </p:spPr>
+        <p:txBody>
+          <a:bodyPr spcFirstLastPara="1" wrap="square" lIns="91425" tIns="45700" rIns="91425" bIns="45700" anchor="ctr" anchorCtr="0">
+            <a:noAutofit/>
+          </a:bodyPr>
+          <a:lstStyle/>
+          <a:p>
+            <a:pPr algn="ctr">
+              <a:buClr>
+                <a:srgbClr val="000000"/>
+              </a:buClr>
+              <a:buSzPts val="1500"/>
+            </a:pPr>
+            <a:endParaRPr sz="1500" dirty="0">
+              <a:solidFill>
+                <a:schemeClr val="dk1"/>
+              </a:solidFill>
+              <a:latin typeface="Malgun Gothic"/>
+              <a:ea typeface="Malgun Gothic"/>
+              <a:cs typeface="Malgun Gothic"/>
+              <a:sym typeface="Malgun Gothic"/>
+            </a:endParaRPr>
+          </a:p>
+        </p:txBody>
+      </p:sp>
+      <p:graphicFrame>
+        <p:nvGraphicFramePr>
+          <p:cNvPr id="71" name="Google Shape;169;g7c553259d1_0_81"/>
+          <p:cNvGraphicFramePr/>
+          <p:nvPr>
+            <p:extLst/>
+          </p:nvPr>
+        </p:nvGraphicFramePr>
+        <p:xfrm>
+          <a:off x="8213590" y="3497703"/>
+          <a:ext cx="2869750" cy="2482775"/>
+        </p:xfrm>
+        <a:graphic>
+          <a:graphicData uri="http://schemas.openxmlformats.org/drawingml/2006/table">
+            <a:tbl>
+              <a:tblPr firstRow="1" bandRow="1">
+                <a:noFill/>
+              </a:tblPr>
+              <a:tblGrid>
+                <a:gridCol w="311106">
+                  <a:extLst>
+                    <a:ext uri="{9D8B030D-6E8A-4147-A177-3AD203B41FA5}">
+                      <a16:colId xmlns="" xmlns:a16="http://schemas.microsoft.com/office/drawing/2014/main" val="20000"/>
+                    </a:ext>
+                  </a:extLst>
+                </a:gridCol>
+                <a:gridCol w="2558644">
+                  <a:extLst>
+                    <a:ext uri="{9D8B030D-6E8A-4147-A177-3AD203B41FA5}">
+                      <a16:colId xmlns="" xmlns:a16="http://schemas.microsoft.com/office/drawing/2014/main" val="20001"/>
+                    </a:ext>
+                  </a:extLst>
+                </a:gridCol>
+              </a:tblGrid>
+              <a:tr h="356150">
+                <a:tc>
+                  <a:txBody>
+                    <a:bodyPr/>
+                    <a:lstStyle/>
+                    <a:p>
+                      <a:pPr marL="0" marR="0" lvl="0" indent="0" algn="ctr" rtl="0">
+                        <a:lnSpc>
+                          <a:spcPct val="100000"/>
+                        </a:lnSpc>
+                        <a:spcBef>
+                          <a:spcPts val="0"/>
+                        </a:spcBef>
+                        <a:spcAft>
+                          <a:spcPts val="0"/>
+                        </a:spcAft>
+                        <a:buClr>
+                          <a:srgbClr val="000000"/>
+                        </a:buClr>
+                        <a:buSzPts val="1500"/>
+                        <a:buFont typeface="Arial"/>
+                        <a:buNone/>
+                      </a:pPr>
+                      <a:r>
+                        <a:rPr lang="ko-KR" sz="1500" u="none" strike="noStrike" cap="none" dirty="0">
+                          <a:solidFill>
+                            <a:schemeClr val="dk1"/>
+                          </a:solidFill>
+                        </a:rPr>
+                        <a:t>#</a:t>
+                      </a:r>
+                      <a:endParaRPr sz="1500" u="none" strike="noStrike" cap="none" dirty="0">
+                        <a:solidFill>
+                          <a:schemeClr val="dk1"/>
+                        </a:solidFill>
+                      </a:endParaRPr>
+                    </a:p>
+                  </a:txBody>
+                  <a:tcPr marL="74304" marR="74304" marT="45725" marB="45725" anchor="ctr">
+                    <a:lnL w="12700" cap="flat" cmpd="sng">
+                      <a:solidFill>
+                        <a:schemeClr val="dk1"/>
+                      </a:solidFill>
+                      <a:prstDash val="solid"/>
+                      <a:round/>
+                      <a:headEnd type="none" w="sm" len="sm"/>
+                      <a:tailEnd type="none" w="sm" len="sm"/>
+                    </a:lnL>
+                    <a:lnR w="12700" cap="flat" cmpd="sng">
+                      <a:solidFill>
+                        <a:schemeClr val="dk1"/>
+                      </a:solidFill>
+                      <a:prstDash val="solid"/>
+                      <a:round/>
+                      <a:headEnd type="none" w="sm" len="sm"/>
+                      <a:tailEnd type="none" w="sm" len="sm"/>
+                    </a:lnR>
+                    <a:lnT w="12700" cap="flat" cmpd="sng">
+                      <a:solidFill>
+                        <a:schemeClr val="dk1"/>
+                      </a:solidFill>
+                      <a:prstDash val="solid"/>
+                      <a:round/>
+                      <a:headEnd type="none" w="sm" len="sm"/>
+                      <a:tailEnd type="none" w="sm" len="sm"/>
+                    </a:lnT>
+                    <a:lnB w="12700" cap="flat" cmpd="sng">
+                      <a:solidFill>
+                        <a:schemeClr val="dk1"/>
+                      </a:solidFill>
+                      <a:prstDash val="solid"/>
+                      <a:round/>
+                      <a:headEnd type="none" w="sm" len="sm"/>
+                      <a:tailEnd type="none" w="sm" len="sm"/>
+                    </a:lnB>
+                    <a:solidFill>
+                      <a:srgbClr val="D8D8D8"/>
+                    </a:solidFill>
+                  </a:tcPr>
+                </a:tc>
+                <a:tc>
+                  <a:txBody>
+                    <a:bodyPr/>
+                    <a:lstStyle/>
+                    <a:p>
+                      <a:pPr marL="0" marR="0" lvl="0" indent="0" algn="ctr" rtl="0">
+                        <a:lnSpc>
+                          <a:spcPct val="100000"/>
+                        </a:lnSpc>
+                        <a:spcBef>
+                          <a:spcPts val="0"/>
+                        </a:spcBef>
+                        <a:spcAft>
+                          <a:spcPts val="0"/>
+                        </a:spcAft>
+                        <a:buClr>
+                          <a:srgbClr val="000000"/>
+                        </a:buClr>
+                        <a:buSzPts val="1500"/>
+                        <a:buFont typeface="Arial"/>
+                        <a:buNone/>
+                      </a:pPr>
+                      <a:endParaRPr sz="1500" u="none" strike="noStrike" cap="none" dirty="0">
+                        <a:solidFill>
+                          <a:schemeClr val="dk1"/>
+                        </a:solidFill>
+                      </a:endParaRPr>
+                    </a:p>
+                  </a:txBody>
+                  <a:tcPr marL="74304" marR="74304" marT="45725" marB="45725" anchor="ctr">
+                    <a:lnL w="12700" cap="flat" cmpd="sng">
+                      <a:solidFill>
+                        <a:schemeClr val="dk1"/>
+                      </a:solidFill>
+                      <a:prstDash val="solid"/>
+                      <a:round/>
+                      <a:headEnd type="none" w="sm" len="sm"/>
+                      <a:tailEnd type="none" w="sm" len="sm"/>
+                    </a:lnL>
+                    <a:lnR w="12700" cap="flat" cmpd="sng">
+                      <a:solidFill>
+                        <a:schemeClr val="dk1"/>
+                      </a:solidFill>
+                      <a:prstDash val="solid"/>
+                      <a:round/>
+                      <a:headEnd type="none" w="sm" len="sm"/>
+                      <a:tailEnd type="none" w="sm" len="sm"/>
+                    </a:lnR>
+                    <a:lnT w="12700" cap="flat" cmpd="sng">
+                      <a:solidFill>
+                        <a:schemeClr val="dk1"/>
+                      </a:solidFill>
+                      <a:prstDash val="solid"/>
+                      <a:round/>
+                      <a:headEnd type="none" w="sm" len="sm"/>
+                      <a:tailEnd type="none" w="sm" len="sm"/>
+                    </a:lnT>
+                    <a:lnB w="12700" cap="flat" cmpd="sng">
+                      <a:solidFill>
+                        <a:schemeClr val="dk1"/>
+                      </a:solidFill>
+                      <a:prstDash val="solid"/>
+                      <a:round/>
+                      <a:headEnd type="none" w="sm" len="sm"/>
+                      <a:tailEnd type="none" w="sm" len="sm"/>
+                    </a:lnB>
+                    <a:solidFill>
+                      <a:srgbClr val="D8D8D8"/>
+                    </a:solidFill>
+                  </a:tcPr>
+                </a:tc>
+                <a:extLst>
+                  <a:ext uri="{0D108BD9-81ED-4DB2-BD59-A6C34878D82A}">
+                    <a16:rowId xmlns="" xmlns:a16="http://schemas.microsoft.com/office/drawing/2014/main" val="10000"/>
+                  </a:ext>
+                </a:extLst>
+              </a:tr>
+              <a:tr h="972399">
+                <a:tc>
+                  <a:txBody>
+                    <a:bodyPr/>
+                    <a:lstStyle/>
+                    <a:p>
+                      <a:pPr marL="0" marR="0" lvl="0" indent="0" algn="ctr" rtl="0">
+                        <a:lnSpc>
+                          <a:spcPct val="100000"/>
+                        </a:lnSpc>
+                        <a:spcBef>
+                          <a:spcPts val="0"/>
+                        </a:spcBef>
+                        <a:spcAft>
+                          <a:spcPts val="0"/>
+                        </a:spcAft>
+                        <a:buClr>
+                          <a:srgbClr val="000000"/>
+                        </a:buClr>
+                        <a:buSzPts val="1500"/>
+                        <a:buFont typeface="Arial"/>
+                        <a:buNone/>
+                      </a:pPr>
+                      <a:r>
+                        <a:rPr lang="en-US" sz="1500" dirty="0" smtClean="0"/>
+                        <a:t>1</a:t>
+                      </a:r>
+                      <a:endParaRPr sz="1500" dirty="0"/>
+                    </a:p>
+                  </a:txBody>
+                  <a:tcPr marL="74304" marR="74304" marT="45725" marB="45725" anchor="ctr">
+                    <a:lnL w="12700" cap="flat" cmpd="sng">
+                      <a:solidFill>
+                        <a:schemeClr val="dk1"/>
+                      </a:solidFill>
+                      <a:prstDash val="solid"/>
+                      <a:round/>
+                      <a:headEnd type="none" w="sm" len="sm"/>
+                      <a:tailEnd type="none" w="sm" len="sm"/>
+                    </a:lnL>
+                    <a:lnR w="12700" cap="flat" cmpd="sng">
+                      <a:solidFill>
+                        <a:schemeClr val="dk1"/>
+                      </a:solidFill>
+                      <a:prstDash val="solid"/>
+                      <a:round/>
+                      <a:headEnd type="none" w="sm" len="sm"/>
+                      <a:tailEnd type="none" w="sm" len="sm"/>
+                    </a:lnR>
+                    <a:lnT w="12700" cap="flat" cmpd="sng">
+                      <a:solidFill>
+                        <a:schemeClr val="dk1"/>
+                      </a:solidFill>
+                      <a:prstDash val="solid"/>
+                      <a:round/>
+                      <a:headEnd type="none" w="sm" len="sm"/>
+                      <a:tailEnd type="none" w="sm" len="sm"/>
+                    </a:lnT>
+                    <a:lnB w="12700" cap="flat" cmpd="sng">
+                      <a:solidFill>
+                        <a:schemeClr val="dk1"/>
+                      </a:solidFill>
+                      <a:prstDash val="solid"/>
+                      <a:round/>
+                      <a:headEnd type="none" w="sm" len="sm"/>
+                      <a:tailEnd type="none" w="sm" len="sm"/>
+                    </a:lnB>
+                    <a:solidFill>
+                      <a:schemeClr val="lt1"/>
+                    </a:solidFill>
+                  </a:tcPr>
+                </a:tc>
+                <a:tc>
+                  <a:txBody>
+                    <a:bodyPr/>
+                    <a:lstStyle/>
+                    <a:p>
+                      <a:pPr marL="0" marR="0" lvl="0" indent="0" algn="l" rtl="0">
+                        <a:lnSpc>
+                          <a:spcPct val="100000"/>
+                        </a:lnSpc>
+                        <a:spcBef>
+                          <a:spcPts val="0"/>
+                        </a:spcBef>
+                        <a:spcAft>
+                          <a:spcPts val="0"/>
+                        </a:spcAft>
+                        <a:buClr>
+                          <a:srgbClr val="000000"/>
+                        </a:buClr>
+                        <a:buSzPts val="1500"/>
+                        <a:buFont typeface="Arial"/>
+                        <a:buNone/>
+                      </a:pPr>
+                      <a:r>
+                        <a:rPr lang="ko-KR" altLang="en-US" sz="1500" b="0" u="none" strike="noStrike" cap="none" baseline="0" smtClean="0">
+                          <a:solidFill>
+                            <a:schemeClr val="dk1"/>
+                          </a:solidFill>
+                        </a:rPr>
+                        <a:t>수정 버튼 누르면 임시 비밀번호를 등록할 수 있게 함</a:t>
+                      </a:r>
+                      <a:r>
+                        <a:rPr lang="en-US" altLang="ko-KR" sz="1500" b="0" u="none" strike="noStrike" cap="none" baseline="0" smtClean="0">
+                          <a:solidFill>
+                            <a:schemeClr val="dk1"/>
+                          </a:solidFill>
+                        </a:rPr>
+                        <a:t>.</a:t>
+                      </a:r>
+                    </a:p>
+                    <a:p>
+                      <a:pPr marL="0" marR="0" lvl="0" indent="0" algn="l" rtl="0">
+                        <a:lnSpc>
+                          <a:spcPct val="100000"/>
+                        </a:lnSpc>
+                        <a:spcBef>
+                          <a:spcPts val="0"/>
+                        </a:spcBef>
+                        <a:spcAft>
+                          <a:spcPts val="0"/>
+                        </a:spcAft>
+                        <a:buClr>
+                          <a:srgbClr val="000000"/>
+                        </a:buClr>
+                        <a:buSzPts val="1500"/>
+                        <a:buFont typeface="Arial"/>
+                        <a:buNone/>
+                      </a:pPr>
+                      <a:r>
+                        <a:rPr lang="ko-KR" altLang="en-US" sz="1500" b="0" u="none" strike="noStrike" cap="none" baseline="0" smtClean="0">
+                          <a:solidFill>
+                            <a:schemeClr val="dk1"/>
+                          </a:solidFill>
+                        </a:rPr>
+                        <a:t>상태 </a:t>
+                      </a:r>
+                      <a:r>
+                        <a:rPr lang="en-US" altLang="ko-KR" sz="1500" b="0" u="none" strike="noStrike" cap="none" baseline="0" smtClean="0">
+                          <a:solidFill>
+                            <a:schemeClr val="dk1"/>
+                          </a:solidFill>
+                        </a:rPr>
+                        <a:t>Select </a:t>
+                      </a:r>
+                      <a:r>
+                        <a:rPr lang="ko-KR" altLang="en-US" sz="1500" b="0" u="none" strike="noStrike" cap="none" baseline="0" smtClean="0">
+                          <a:solidFill>
+                            <a:schemeClr val="dk1"/>
+                          </a:solidFill>
+                        </a:rPr>
+                        <a:t>박스를 수정하게 되면 변경되는 즉시 적용이 됨</a:t>
+                      </a:r>
+                      <a:endParaRPr lang="en-US" altLang="ko-KR" sz="1500" b="0" u="none" strike="noStrike" cap="none" baseline="0" dirty="0" smtClean="0">
+                        <a:solidFill>
+                          <a:schemeClr val="dk1"/>
+                        </a:solidFill>
+                      </a:endParaRPr>
+                    </a:p>
+                  </a:txBody>
+                  <a:tcPr marL="74304" marR="74304" marT="45725" marB="45725">
+                    <a:lnL w="12700" cap="flat" cmpd="sng">
+                      <a:solidFill>
+                        <a:schemeClr val="dk1"/>
+                      </a:solidFill>
+                      <a:prstDash val="solid"/>
+                      <a:round/>
+                      <a:headEnd type="none" w="sm" len="sm"/>
+                      <a:tailEnd type="none" w="sm" len="sm"/>
+                    </a:lnL>
+                    <a:lnR w="12700" cap="flat" cmpd="sng">
+                      <a:solidFill>
+                        <a:schemeClr val="dk1"/>
+                      </a:solidFill>
+                      <a:prstDash val="solid"/>
+                      <a:round/>
+                      <a:headEnd type="none" w="sm" len="sm"/>
+                      <a:tailEnd type="none" w="sm" len="sm"/>
+                    </a:lnR>
+                    <a:lnT w="12700" cap="flat" cmpd="sng">
+                      <a:solidFill>
+                        <a:schemeClr val="dk1"/>
+                      </a:solidFill>
+                      <a:prstDash val="solid"/>
+                      <a:round/>
+                      <a:headEnd type="none" w="sm" len="sm"/>
+                      <a:tailEnd type="none" w="sm" len="sm"/>
+                    </a:lnT>
+                    <a:lnB w="12700" cap="flat" cmpd="sng">
+                      <a:solidFill>
+                        <a:schemeClr val="dk1"/>
+                      </a:solidFill>
+                      <a:prstDash val="solid"/>
+                      <a:round/>
+                      <a:headEnd type="none" w="sm" len="sm"/>
+                      <a:tailEnd type="none" w="sm" len="sm"/>
+                    </a:lnB>
+                    <a:solidFill>
+                      <a:schemeClr val="lt1"/>
+                    </a:solidFill>
+                  </a:tcPr>
+                </a:tc>
+                <a:extLst>
+                  <a:ext uri="{0D108BD9-81ED-4DB2-BD59-A6C34878D82A}">
+                    <a16:rowId xmlns="" xmlns:a16="http://schemas.microsoft.com/office/drawing/2014/main" val="10001"/>
+                  </a:ext>
+                </a:extLst>
+              </a:tr>
+              <a:tr h="892175">
+                <a:tc>
+                  <a:txBody>
+                    <a:bodyPr/>
+                    <a:lstStyle/>
+                    <a:p>
+                      <a:pPr marL="0" marR="0" lvl="0" indent="0" algn="ctr" rtl="0">
+                        <a:lnSpc>
+                          <a:spcPct val="100000"/>
+                        </a:lnSpc>
+                        <a:spcBef>
+                          <a:spcPts val="0"/>
+                        </a:spcBef>
+                        <a:spcAft>
+                          <a:spcPts val="0"/>
+                        </a:spcAft>
+                        <a:buNone/>
+                      </a:pPr>
+                      <a:r>
+                        <a:rPr lang="en-US" sz="1500" smtClean="0"/>
+                        <a:t>2</a:t>
+                      </a:r>
+                      <a:endParaRPr sz="1500" dirty="0"/>
+                    </a:p>
+                  </a:txBody>
+                  <a:tcPr marL="74304" marR="74304" marT="45725" marB="45725" anchor="ctr">
+                    <a:lnL w="12700" cap="flat" cmpd="sng">
+                      <a:solidFill>
+                        <a:schemeClr val="dk1"/>
+                      </a:solidFill>
+                      <a:prstDash val="solid"/>
+                      <a:round/>
+                      <a:headEnd type="none" w="sm" len="sm"/>
+                      <a:tailEnd type="none" w="sm" len="sm"/>
+                    </a:lnL>
+                    <a:lnR w="12700" cap="flat" cmpd="sng" algn="ctr">
+                      <a:solidFill>
+                        <a:schemeClr val="dk1"/>
+                      </a:solidFill>
+                      <a:prstDash val="solid"/>
+                      <a:round/>
+                      <a:headEnd type="none" w="sm" len="sm"/>
+                      <a:tailEnd type="none" w="sm" len="sm"/>
+                    </a:lnR>
+                    <a:lnT w="12700" cap="flat" cmpd="sng" algn="ctr">
+                      <a:solidFill>
+                        <a:schemeClr val="dk1"/>
+                      </a:solidFill>
+                      <a:prstDash val="solid"/>
+                      <a:round/>
+                      <a:headEnd type="none" w="sm" len="sm"/>
+                      <a:tailEnd type="none" w="sm" len="sm"/>
+                    </a:lnT>
+                    <a:lnB w="12700" cap="flat" cmpd="sng">
+                      <a:solidFill>
+                        <a:schemeClr val="dk1"/>
+                      </a:solidFill>
+                      <a:prstDash val="solid"/>
+                      <a:round/>
+                      <a:headEnd type="none" w="sm" len="sm"/>
+                      <a:tailEnd type="none" w="sm" len="sm"/>
+                    </a:lnB>
+                    <a:solidFill>
+                      <a:schemeClr val="lt1"/>
+                    </a:solidFill>
+                  </a:tcPr>
+                </a:tc>
+                <a:tc>
+                  <a:txBody>
+                    <a:bodyPr/>
+                    <a:lstStyle/>
+                    <a:p>
+                      <a:pPr marL="0" marR="0" lvl="0" indent="0" algn="l" rtl="0">
+                        <a:lnSpc>
+                          <a:spcPct val="100000"/>
+                        </a:lnSpc>
+                        <a:spcBef>
+                          <a:spcPts val="0"/>
+                        </a:spcBef>
+                        <a:spcAft>
+                          <a:spcPts val="0"/>
+                        </a:spcAft>
+                        <a:buNone/>
+                      </a:pPr>
+                      <a:endParaRPr sz="1500" dirty="0"/>
+                    </a:p>
+                  </a:txBody>
+                  <a:tcPr marL="74304" marR="74304" marT="45725" marB="45725">
+                    <a:lnL w="12700" cap="flat" cmpd="sng" algn="ctr">
+                      <a:solidFill>
+                        <a:schemeClr val="dk1"/>
+                      </a:solidFill>
+                      <a:prstDash val="solid"/>
+                      <a:round/>
+                      <a:headEnd type="none" w="sm" len="sm"/>
+                      <a:tailEnd type="none" w="sm" len="sm"/>
+                    </a:lnL>
+                    <a:lnR w="12700" cap="flat" cmpd="sng">
+                      <a:solidFill>
+                        <a:schemeClr val="dk1"/>
+                      </a:solidFill>
+                      <a:prstDash val="solid"/>
+                      <a:round/>
+                      <a:headEnd type="none" w="sm" len="sm"/>
+                      <a:tailEnd type="none" w="sm" len="sm"/>
+                    </a:lnR>
+                    <a:lnT w="12700" cap="flat" cmpd="sng" algn="ctr">
+                      <a:solidFill>
+                        <a:schemeClr val="dk1"/>
+                      </a:solidFill>
+                      <a:prstDash val="solid"/>
+                      <a:round/>
+                      <a:headEnd type="none" w="sm" len="sm"/>
+                      <a:tailEnd type="none" w="sm" len="sm"/>
+                    </a:lnT>
+                    <a:lnB w="12700" cap="flat" cmpd="sng">
+                      <a:solidFill>
+                        <a:schemeClr val="dk1"/>
+                      </a:solidFill>
+                      <a:prstDash val="solid"/>
+                      <a:round/>
+                      <a:headEnd type="none" w="sm" len="sm"/>
+                      <a:tailEnd type="none" w="sm" len="sm"/>
+                    </a:lnB>
+                    <a:solidFill>
+                      <a:schemeClr val="lt1"/>
+                    </a:solidFill>
+                  </a:tcPr>
+                </a:tc>
+                <a:extLst>
+                  <a:ext uri="{0D108BD9-81ED-4DB2-BD59-A6C34878D82A}">
+                    <a16:rowId xmlns="" xmlns:a16="http://schemas.microsoft.com/office/drawing/2014/main" val="10002"/>
+                  </a:ext>
+                </a:extLst>
+              </a:tr>
+            </a:tbl>
+          </a:graphicData>
+        </a:graphic>
+      </p:graphicFrame>
+      <p:pic>
+        <p:nvPicPr>
+          <p:cNvPr id="72" name="그림 71"/>
+          <p:cNvPicPr>
+            <a:picLocks noChangeAspect="1"/>
+          </p:cNvPicPr>
+          <p:nvPr/>
+        </p:nvPicPr>
+        <p:blipFill>
+          <a:blip r:embed="rId2"/>
+          <a:stretch>
+            <a:fillRect/>
+          </a:stretch>
+        </p:blipFill>
+        <p:spPr>
+          <a:xfrm>
+            <a:off x="1903940" y="2165584"/>
+            <a:ext cx="5069086" cy="3105150"/>
+          </a:xfrm>
+          <a:prstGeom prst="rect">
+            <a:avLst/>
+          </a:prstGeom>
+        </p:spPr>
+      </p:pic>
+      <p:sp>
+        <p:nvSpPr>
+          <p:cNvPr id="73" name="Google Shape;173;g7c553259d1_0_81"/>
+          <p:cNvSpPr/>
+          <p:nvPr/>
+        </p:nvSpPr>
+        <p:spPr>
+          <a:xfrm>
+            <a:off x="2890120" y="2254747"/>
+            <a:ext cx="245944" cy="324600"/>
+          </a:xfrm>
+          <a:prstGeom prst="rect">
+            <a:avLst/>
+          </a:prstGeom>
+          <a:solidFill>
+            <a:srgbClr val="FF0000"/>
+          </a:solidFill>
+          <a:ln>
+            <a:noFill/>
+          </a:ln>
+        </p:spPr>
+        <p:txBody>
+          <a:bodyPr spcFirstLastPara="1" wrap="square" lIns="91425" tIns="45700" rIns="91425" bIns="45700" anchor="ctr" anchorCtr="0">
+            <a:noAutofit/>
+          </a:bodyPr>
+          <a:lstStyle/>
+          <a:p>
+            <a:pPr algn="ctr">
+              <a:buClr>
+                <a:srgbClr val="000000"/>
+              </a:buClr>
+              <a:buSzPts val="1800"/>
+            </a:pPr>
+            <a:r>
+              <a:rPr lang="en-US" altLang="ko-KR" b="1" dirty="0">
+                <a:solidFill>
+                  <a:schemeClr val="dk1"/>
+                </a:solidFill>
+                <a:latin typeface="Malgun Gothic"/>
+                <a:ea typeface="Malgun Gothic"/>
+                <a:cs typeface="Malgun Gothic"/>
+                <a:sym typeface="Malgun Gothic"/>
+              </a:rPr>
+              <a:t>1</a:t>
+            </a:r>
+            <a:endParaRPr b="1" dirty="0">
+              <a:solidFill>
+                <a:schemeClr val="dk1"/>
+              </a:solidFill>
+              <a:latin typeface="Malgun Gothic"/>
+              <a:ea typeface="Malgun Gothic"/>
+              <a:cs typeface="Malgun Gothic"/>
+              <a:sym typeface="Malgun Gothic"/>
+            </a:endParaRPr>
+          </a:p>
+        </p:txBody>
+      </p:sp>
+      <p:graphicFrame>
+        <p:nvGraphicFramePr>
+          <p:cNvPr id="74" name="표 73"/>
+          <p:cNvGraphicFramePr>
+            <a:graphicFrameLocks noGrp="1"/>
+          </p:cNvGraphicFramePr>
+          <p:nvPr>
+            <p:extLst/>
+          </p:nvPr>
+        </p:nvGraphicFramePr>
+        <p:xfrm>
+          <a:off x="8213590" y="2490015"/>
+          <a:ext cx="2230842" cy="624860"/>
+        </p:xfrm>
+        <a:graphic>
+          <a:graphicData uri="http://schemas.openxmlformats.org/drawingml/2006/table">
+            <a:tbl>
+              <a:tblPr firstRow="1" bandRow="1">
+                <a:noFill/>
+              </a:tblPr>
+              <a:tblGrid>
+                <a:gridCol w="2230842"/>
+              </a:tblGrid>
+              <a:tr h="168164">
+                <a:tc>
+                  <a:txBody>
+                    <a:bodyPr/>
+                    <a:lstStyle/>
+                    <a:p>
+                      <a:pPr marL="0" marR="0" lvl="0" indent="0" algn="ctr" rtl="0">
+                        <a:lnSpc>
+                          <a:spcPct val="100000"/>
+                        </a:lnSpc>
+                        <a:spcBef>
+                          <a:spcPts val="0"/>
+                        </a:spcBef>
+                        <a:spcAft>
+                          <a:spcPts val="0"/>
+                        </a:spcAft>
+                        <a:buClr>
+                          <a:srgbClr val="000000"/>
+                        </a:buClr>
+                        <a:buSzPts val="1500"/>
+                        <a:buFont typeface="Arial"/>
+                        <a:buNone/>
+                      </a:pPr>
+                      <a:r>
+                        <a:rPr lang="ko-KR" altLang="en-US" sz="1500" b="0" u="none" strike="noStrike" cap="none" dirty="0" smtClean="0">
+                          <a:solidFill>
+                            <a:schemeClr val="dk1"/>
+                          </a:solidFill>
+                        </a:rPr>
+                        <a:t>화면코드</a:t>
+                      </a:r>
+                      <a:endParaRPr sz="1500" b="0" u="none" strike="noStrike" cap="none" dirty="0">
+                        <a:solidFill>
+                          <a:schemeClr val="dk1"/>
+                        </a:solidFill>
+                      </a:endParaRPr>
+                    </a:p>
+                  </a:txBody>
+                  <a:tcPr marL="74304" marR="74304" marT="45725" marB="45725" anchor="ctr">
+                    <a:lnL w="12700" cap="flat" cmpd="sng">
+                      <a:solidFill>
+                        <a:schemeClr val="dk1"/>
+                      </a:solidFill>
+                      <a:prstDash val="solid"/>
+                      <a:round/>
+                      <a:headEnd type="none" w="sm" len="sm"/>
+                      <a:tailEnd type="none" w="sm" len="sm"/>
+                    </a:lnL>
+                    <a:lnR w="12700" cap="flat" cmpd="sng">
+                      <a:solidFill>
+                        <a:schemeClr val="dk1"/>
+                      </a:solidFill>
+                      <a:prstDash val="solid"/>
+                      <a:round/>
+                      <a:headEnd type="none" w="sm" len="sm"/>
+                      <a:tailEnd type="none" w="sm" len="sm"/>
+                    </a:lnR>
+                    <a:lnT w="12700" cap="flat" cmpd="sng">
+                      <a:solidFill>
+                        <a:schemeClr val="dk1"/>
+                      </a:solidFill>
+                      <a:prstDash val="solid"/>
+                      <a:round/>
+                      <a:headEnd type="none" w="sm" len="sm"/>
+                      <a:tailEnd type="none" w="sm" len="sm"/>
+                    </a:lnT>
+                    <a:lnB w="12700" cap="flat" cmpd="sng" algn="ctr">
+                      <a:solidFill>
+                        <a:schemeClr val="dk1"/>
+                      </a:solidFill>
+                      <a:prstDash val="solid"/>
+                      <a:round/>
+                      <a:headEnd type="none" w="sm" len="sm"/>
+                      <a:tailEnd type="none" w="sm" len="sm"/>
+                    </a:lnB>
+                    <a:solidFill>
+                      <a:srgbClr val="D8D8D8"/>
+                    </a:solidFill>
+                  </a:tcPr>
+                </a:tc>
+              </a:tr>
+              <a:tr h="168164">
+                <a:tc>
+                  <a:txBody>
+                    <a:bodyPr/>
+                    <a:lstStyle/>
+                    <a:p>
+                      <a:pPr marL="0" marR="0" lvl="0" indent="0" algn="ctr" defTabSz="914400" rtl="0" eaLnBrk="1" fontAlgn="auto" latinLnBrk="1" hangingPunct="1">
+                        <a:lnSpc>
+                          <a:spcPct val="100000"/>
+                        </a:lnSpc>
+                        <a:spcBef>
+                          <a:spcPts val="0"/>
+                        </a:spcBef>
+                        <a:spcAft>
+                          <a:spcPts val="0"/>
+                        </a:spcAft>
+                        <a:buClrTx/>
+                        <a:buSzTx/>
+                        <a:buFontTx/>
+                        <a:buNone/>
+                        <a:tabLst/>
+                        <a:defRPr/>
+                      </a:pPr>
+                      <a:r>
+                        <a:rPr lang="en-US" altLang="ko-KR" sz="1400" b="0" u="none" strike="noStrike" cap="none" smtClean="0">
+                          <a:solidFill>
+                            <a:schemeClr val="dk1"/>
+                          </a:solidFill>
+                        </a:rPr>
+                        <a:t>kb_admin_member</a:t>
+                      </a:r>
+                    </a:p>
+                  </a:txBody>
+                  <a:tcPr marL="74304" marR="74304" marT="45725" marB="45725" anchor="ctr">
+                    <a:lnL w="12700" cap="flat" cmpd="sng" algn="ctr">
+                      <a:solidFill>
+                        <a:schemeClr val="dk1"/>
+                      </a:solidFill>
+                      <a:prstDash val="solid"/>
+                      <a:round/>
+                      <a:headEnd type="none" w="sm" len="sm"/>
+                      <a:tailEnd type="none" w="sm" len="sm"/>
+                    </a:lnL>
+                    <a:lnR w="12700" cap="flat" cmpd="sng" algn="ctr">
+                      <a:solidFill>
+                        <a:schemeClr val="dk1"/>
+                      </a:solidFill>
+                      <a:prstDash val="solid"/>
+                      <a:round/>
+                      <a:headEnd type="none" w="sm" len="sm"/>
+                      <a:tailEnd type="none" w="sm" len="sm"/>
+                    </a:lnR>
+                    <a:lnT w="12700" cap="flat" cmpd="sng" algn="ctr">
+                      <a:solidFill>
+                        <a:schemeClr val="dk1"/>
+                      </a:solidFill>
+                      <a:prstDash val="solid"/>
+                      <a:round/>
+                      <a:headEnd type="none" w="sm" len="sm"/>
+                      <a:tailEnd type="none" w="sm" len="sm"/>
+                    </a:lnT>
+                    <a:lnB w="12700" cap="flat" cmpd="sng">
+                      <a:solidFill>
+                        <a:schemeClr val="dk1"/>
+                      </a:solidFill>
+                      <a:prstDash val="solid"/>
+                      <a:round/>
+                      <a:headEnd type="none" w="sm" len="sm"/>
+                      <a:tailEnd type="none" w="sm" len="sm"/>
+                    </a:lnB>
+                    <a:solidFill>
+                      <a:schemeClr val="bg1"/>
+                    </a:solidFill>
+                  </a:tcPr>
+                </a:tc>
+              </a:tr>
+            </a:tbl>
+          </a:graphicData>
+        </a:graphic>
+      </p:graphicFrame>
+    </p:spTree>
+    <p:extLst>
+      <p:ext uri="{BB962C8B-B14F-4D97-AF65-F5344CB8AC3E}">
+        <p14:creationId xmlns:p14="http://schemas.microsoft.com/office/powerpoint/2010/main" val="1607113103"/>
+      </p:ext>
+    </p:extLst>
+  </p:cSld>
+  <p:clrMapOvr>
+    <a:masterClrMapping/>
+  </p:clrMapOvr>
+  <p:timing>
+    <p:tnLst>
+      <p:par>
+        <p:cTn id="1" dur="indefinite" restart="never" nodeType="tmRoot"/>
+      </p:par>
+    </p:tnLst>
+  </p:timing>
+</p:sld>
+</file>
+
+<file path=ppt/slides/slide3.xml><?xml version="1.0" encoding="utf-8"?>
+<p:sld xmlns:a="http://schemas.openxmlformats.org/drawingml/2006/main" xmlns:r="http://schemas.openxmlformats.org/officeDocument/2006/relationships" xmlns:p="http://schemas.openxmlformats.org/presentationml/2006/main">
+  <p:cSld>
+    <p:spTree>
+      <p:nvGrpSpPr>
+        <p:cNvPr id="1" name=""/>
+        <p:cNvGrpSpPr/>
+        <p:nvPr/>
+      </p:nvGrpSpPr>
+      <p:grpSpPr>
+        <a:xfrm>
+          <a:off x="0" y="0"/>
+          <a:ext cx="0" cy="0"/>
+          <a:chOff x="0" y="0"/>
+          <a:chExt cx="0" cy="0"/>
+        </a:xfrm>
+      </p:grpSpPr>
+      <p:sp>
+        <p:nvSpPr>
+          <p:cNvPr id="4" name="제목 1"/>
+          <p:cNvSpPr>
+            <a:spLocks noGrp="1"/>
+          </p:cNvSpPr>
+          <p:nvPr>
+            <p:ph type="title"/>
+          </p:nvPr>
+        </p:nvSpPr>
+        <p:spPr>
+          <a:xfrm>
+            <a:off x="962423" y="116632"/>
+            <a:ext cx="9646078" cy="796908"/>
+          </a:xfrm>
+        </p:spPr>
+        <p:txBody>
+          <a:bodyPr>
+            <a:noAutofit/>
+          </a:bodyPr>
+          <a:lstStyle/>
+          <a:p>
+            <a:pPr lvl="0">
+              <a:lnSpc>
+                <a:spcPct val="100000"/>
+              </a:lnSpc>
+              <a:spcBef>
+                <a:spcPts val="0"/>
+              </a:spcBef>
+              <a:defRPr/>
+            </a:pPr>
+            <a:r>
+              <a:rPr lang="en-US" altLang="ko-KR" sz="4000" b="0"/>
+              <a:t>[</a:t>
+            </a:r>
+            <a:r>
+              <a:rPr lang="ko-KR" altLang="en-US" sz="4000" b="0" smtClean="0"/>
+              <a:t>화면구현</a:t>
+            </a:r>
+            <a:r>
+              <a:rPr lang="en-US" altLang="ko-KR" sz="4000" b="0" smtClean="0"/>
+              <a:t>] </a:t>
+            </a:r>
+            <a:r>
+              <a:rPr lang="ko-KR" altLang="en-US" sz="4000" b="0" smtClean="0"/>
+              <a:t>관리자</a:t>
+            </a:r>
+            <a:r>
+              <a:rPr lang="en-US" altLang="ko-KR" sz="4000" b="0" smtClean="0"/>
+              <a:t>- </a:t>
+            </a:r>
+            <a:r>
+              <a:rPr lang="ko-KR" altLang="en-US" sz="4000" b="0" smtClean="0"/>
+              <a:t>웹 </a:t>
+            </a:r>
+            <a:r>
+              <a:rPr lang="en-US" altLang="ko-KR" sz="4000" b="0" smtClean="0"/>
+              <a:t>- </a:t>
+            </a:r>
+            <a:r>
+              <a:rPr lang="ko-KR" altLang="en-US" sz="4000" b="0" smtClean="0"/>
+              <a:t>회원정보관리</a:t>
+            </a:r>
+            <a:endParaRPr lang="ko-KR" altLang="en-US" sz="4000" b="0"/>
+          </a:p>
+        </p:txBody>
+      </p:sp>
+      <p:pic>
+        <p:nvPicPr>
+          <p:cNvPr id="5" name="그림 4"/>
+          <p:cNvPicPr>
+            <a:picLocks noChangeAspect="1"/>
+          </p:cNvPicPr>
+          <p:nvPr/>
+        </p:nvPicPr>
+        <p:blipFill>
+          <a:blip r:embed="rId2"/>
+          <a:stretch>
+            <a:fillRect/>
+          </a:stretch>
+        </p:blipFill>
+        <p:spPr>
+          <a:xfrm>
+            <a:off x="403654" y="1769278"/>
+            <a:ext cx="7334602" cy="4297889"/>
+          </a:xfrm>
+          <a:prstGeom prst="rect">
+            <a:avLst/>
+          </a:prstGeom>
+          <a:ln w="25400">
+            <a:solidFill>
+              <a:schemeClr val="tx1"/>
+            </a:solidFill>
+          </a:ln>
+        </p:spPr>
+      </p:pic>
+      <p:pic>
+        <p:nvPicPr>
+          <p:cNvPr id="6" name="그림 5"/>
+          <p:cNvPicPr>
+            <a:picLocks noChangeAspect="1"/>
+          </p:cNvPicPr>
+          <p:nvPr/>
+        </p:nvPicPr>
+        <p:blipFill>
+          <a:blip r:embed="rId3"/>
+          <a:stretch>
+            <a:fillRect/>
+          </a:stretch>
+        </p:blipFill>
+        <p:spPr>
+          <a:xfrm>
+            <a:off x="8052318" y="1769278"/>
+            <a:ext cx="3466614" cy="1533525"/>
+          </a:xfrm>
+          <a:prstGeom prst="rect">
+            <a:avLst/>
+          </a:prstGeom>
+          <a:ln>
+            <a:solidFill>
+              <a:schemeClr val="tx1"/>
+            </a:solidFill>
+          </a:ln>
+        </p:spPr>
+      </p:pic>
+      <p:pic>
+        <p:nvPicPr>
+          <p:cNvPr id="7" name="그림 6"/>
+          <p:cNvPicPr>
+            <a:picLocks noChangeAspect="1"/>
+          </p:cNvPicPr>
+          <p:nvPr/>
+        </p:nvPicPr>
+        <p:blipFill>
+          <a:blip r:embed="rId4"/>
+          <a:stretch>
+            <a:fillRect/>
+          </a:stretch>
+        </p:blipFill>
+        <p:spPr>
+          <a:xfrm>
+            <a:off x="8052318" y="3772778"/>
+            <a:ext cx="3466614" cy="771525"/>
+          </a:xfrm>
+          <a:prstGeom prst="rect">
+            <a:avLst/>
+          </a:prstGeom>
+          <a:ln>
+            <a:solidFill>
+              <a:schemeClr val="tx1"/>
+            </a:solidFill>
+          </a:ln>
+        </p:spPr>
+      </p:pic>
+      <p:pic>
+        <p:nvPicPr>
+          <p:cNvPr id="8" name="그림 7"/>
+          <p:cNvPicPr>
+            <a:picLocks noChangeAspect="1"/>
+          </p:cNvPicPr>
+          <p:nvPr/>
+        </p:nvPicPr>
+        <p:blipFill>
+          <a:blip r:embed="rId5"/>
+          <a:stretch>
+            <a:fillRect/>
+          </a:stretch>
+        </p:blipFill>
+        <p:spPr>
+          <a:xfrm>
+            <a:off x="8052318" y="4889317"/>
+            <a:ext cx="3738951" cy="1647825"/>
+          </a:xfrm>
+          <a:prstGeom prst="rect">
+            <a:avLst/>
+          </a:prstGeom>
+          <a:ln>
+            <a:solidFill>
+              <a:schemeClr val="tx1"/>
+            </a:solidFill>
+          </a:ln>
+        </p:spPr>
+      </p:pic>
+    </p:spTree>
+    <p:extLst>
+      <p:ext uri="{BB962C8B-B14F-4D97-AF65-F5344CB8AC3E}">
+        <p14:creationId xmlns:p14="http://schemas.microsoft.com/office/powerpoint/2010/main" val="209363567"/>
       </p:ext>
     </p:extLst>
   </p:cSld>
